--- a/MachineLearning/PPT/Ch12Pipe.pptx
+++ b/MachineLearning/PPT/Ch12Pipe.pptx
@@ -229,7 +229,7 @@
           <a:p>
             <a:fld id="{ABD1DD95-2A29-4EE2-B225-52E901FF2496}" type="datetimeFigureOut">
               <a:rPr lang="zh-CN" altLang="en-US" smtClean="0"/>
-              <a:t>2020-2-20</a:t>
+              <a:t>2020-2-21</a:t>
             </a:fld>
             <a:endParaRPr lang="zh-CN" altLang="en-US"/>
           </a:p>
@@ -394,7 +394,7 @@
           <a:p>
             <a:fld id="{67032A47-0651-4271-B9F6-B3977625BE84}" type="datetimeFigureOut">
               <a:rPr lang="zh-CN" altLang="en-US" smtClean="0"/>
-              <a:t>2020-2-20</a:t>
+              <a:t>2020-2-21</a:t>
             </a:fld>
             <a:endParaRPr lang="zh-CN" altLang="en-US"/>
           </a:p>
@@ -1275,7 +1275,7 @@
                 <a:ea typeface="微软雅黑" panose="020B0503020204020204" pitchFamily="34" charset="-122"/>
                 <a:cs typeface="Vrinda" panose="020B0502040204020203" pitchFamily="34" charset="0"/>
               </a:rPr>
-              <a:t>February 20, 2020</a:t>
+              <a:t>February 21, 2020</a:t>
             </a:fld>
             <a:endParaRPr lang="zh-CN" altLang="en-US" sz="1800" b="0" dirty="0">
               <a:solidFill>
@@ -1905,7 +1905,7 @@
                 <a:ea typeface="微软雅黑" panose="020B0503020204020204" pitchFamily="34" charset="-122"/>
                 <a:cs typeface="Vrinda" panose="020B0502040204020203" pitchFamily="34" charset="0"/>
               </a:rPr>
-              <a:t>February 20, 2020</a:t>
+              <a:t>February 21, 2020</a:t>
             </a:fld>
             <a:endParaRPr lang="zh-CN" altLang="en-US" sz="1800" b="0" dirty="0">
               <a:solidFill>
@@ -2869,13 +2869,21 @@
               <a:t>12</a:t>
             </a:r>
             <a:r>
-              <a:rPr lang="zh-CN" altLang="en-US" dirty="0">
+              <a:rPr lang="zh-CN" altLang="en-US">
+                <a:latin typeface="+mn-ea"/>
+                <a:cs typeface="+mn-ea"/>
+                <a:sym typeface="+mn-lt"/>
+              </a:rPr>
+              <a:t>讲 </a:t>
+            </a:r>
+            <a:r>
+              <a:rPr lang="zh-CN" altLang="en-US" b="1">
                 <a:latin typeface="+mn-lt"/>
                 <a:ea typeface="+mn-ea"/>
                 <a:cs typeface="+mn-ea"/>
                 <a:sym typeface="+mn-lt"/>
               </a:rPr>
-              <a:t>课</a:t>
+              <a:t>建立</a:t>
             </a:r>
             <a:r>
               <a:rPr lang="zh-CN" altLang="en-US" b="1" dirty="0">
@@ -2884,7 +2892,7 @@
                 <a:cs typeface="+mn-ea"/>
                 <a:sym typeface="+mn-lt"/>
               </a:rPr>
-              <a:t> 建立算法的管道模型</a:t>
+              <a:t>算法的管道模型</a:t>
             </a:r>
           </a:p>
         </p:txBody>
